--- a/Crime vs. Weather.pptx
+++ b/Crime vs. Weather.pptx
@@ -229,7 +229,7 @@
           <a:p>
             <a:fld id="{59088EAF-6ECA-4616-85EF-35AA19C641F3}" type="datetimeFigureOut">
               <a:rPr lang="en-US"/>
-              <a:t>5/3/2018</a:t>
+              <a:t>5/4/2018</a:t>
             </a:fld>
             <a:endParaRPr/>
           </a:p>
@@ -394,7 +394,7 @@
           <a:p>
             <a:fld id="{3ABD2D7A-D230-4F91-BD59-0A39C2703BA8}" type="datetimeFigureOut">
               <a:rPr lang="en-US"/>
-              <a:t>5/3/2018</a:t>
+              <a:t>5/4/2018</a:t>
             </a:fld>
             <a:endParaRPr/>
           </a:p>
@@ -987,7 +987,7 @@
           <a:p>
             <a:fld id="{5454A176-C445-4A25-932C-94F40FA22E58}" type="datetimeFigureOut">
               <a:rPr lang="en-US" smtClean="0"/>
-              <a:t>5/3/2018</a:t>
+              <a:t>5/4/2018</a:t>
             </a:fld>
             <a:endParaRPr lang="en-US"/>
           </a:p>
@@ -1324,7 +1324,7 @@
             <a:fld id="{03F41C87-7AD9-4845-A077-840E4A0F3F06}" type="datetimeFigureOut">
               <a:rPr lang="en-US" smtClean="0"/>
               <a:pPr/>
-              <a:t>5/3/2018</a:t>
+              <a:t>5/4/2018</a:t>
             </a:fld>
             <a:endParaRPr lang="en-US"/>
           </a:p>
@@ -1574,7 +1574,7 @@
             <a:fld id="{03F41C87-7AD9-4845-A077-840E4A0F3F06}" type="datetimeFigureOut">
               <a:rPr lang="en-US" smtClean="0"/>
               <a:pPr/>
-              <a:t>5/3/2018</a:t>
+              <a:t>5/4/2018</a:t>
             </a:fld>
             <a:endParaRPr lang="en-US"/>
           </a:p>
@@ -1915,7 +1915,7 @@
             <a:fld id="{03F41C87-7AD9-4845-A077-840E4A0F3F06}" type="datetimeFigureOut">
               <a:rPr lang="en-US" smtClean="0"/>
               <a:pPr/>
-              <a:t>5/3/2018</a:t>
+              <a:t>5/4/2018</a:t>
             </a:fld>
             <a:endParaRPr lang="en-US"/>
           </a:p>
@@ -2264,7 +2264,7 @@
             <a:fld id="{03F41C87-7AD9-4845-A077-840E4A0F3F06}" type="datetimeFigureOut">
               <a:rPr lang="en-US" smtClean="0"/>
               <a:pPr/>
-              <a:t>5/3/2018</a:t>
+              <a:t>5/4/2018</a:t>
             </a:fld>
             <a:endParaRPr lang="en-US"/>
           </a:p>
@@ -2640,7 +2640,7 @@
             <a:fld id="{03F41C87-7AD9-4845-A077-840E4A0F3F06}" type="datetimeFigureOut">
               <a:rPr lang="en-US" smtClean="0"/>
               <a:pPr/>
-              <a:t>5/3/2018</a:t>
+              <a:t>5/4/2018</a:t>
             </a:fld>
             <a:endParaRPr lang="en-US"/>
           </a:p>
@@ -3112,7 +3112,7 @@
             <a:fld id="{03F41C87-7AD9-4845-A077-840E4A0F3F06}" type="datetimeFigureOut">
               <a:rPr lang="en-US" smtClean="0"/>
               <a:pPr/>
-              <a:t>5/3/2018</a:t>
+              <a:t>5/4/2018</a:t>
             </a:fld>
             <a:endParaRPr lang="en-US"/>
           </a:p>
@@ -3318,7 +3318,7 @@
           <a:p>
             <a:fld id="{03F41C87-7AD9-4845-A077-840E4A0F3F06}" type="datetimeFigureOut">
               <a:rPr lang="en-US" smtClean="0"/>
-              <a:t>5/3/2018</a:t>
+              <a:t>5/4/2018</a:t>
             </a:fld>
             <a:endParaRPr lang="en-US"/>
           </a:p>
@@ -3541,7 +3541,7 @@
           <a:p>
             <a:fld id="{03F41C87-7AD9-4845-A077-840E4A0F3F06}" type="datetimeFigureOut">
               <a:rPr lang="en-US" smtClean="0"/>
-              <a:t>5/3/2018</a:t>
+              <a:t>5/4/2018</a:t>
             </a:fld>
             <a:endParaRPr lang="en-US"/>
           </a:p>
@@ -3785,7 +3785,7 @@
           <a:p>
             <a:fld id="{03F41C87-7AD9-4845-A077-840E4A0F3F06}" type="datetimeFigureOut">
               <a:rPr lang="en-US" smtClean="0"/>
-              <a:t>5/3/2018</a:t>
+              <a:t>5/4/2018</a:t>
             </a:fld>
             <a:endParaRPr lang="en-US"/>
           </a:p>
@@ -4045,7 +4045,7 @@
           <a:p>
             <a:fld id="{03F41C87-7AD9-4845-A077-840E4A0F3F06}" type="datetimeFigureOut">
               <a:rPr lang="en-US" smtClean="0"/>
-              <a:t>5/3/2018</a:t>
+              <a:t>5/4/2018</a:t>
             </a:fld>
             <a:endParaRPr lang="en-US"/>
           </a:p>
@@ -4355,7 +4355,7 @@
           <a:p>
             <a:fld id="{03F41C87-7AD9-4845-A077-840E4A0F3F06}" type="datetimeFigureOut">
               <a:rPr lang="en-US" smtClean="0"/>
-              <a:t>5/3/2018</a:t>
+              <a:t>5/4/2018</a:t>
             </a:fld>
             <a:endParaRPr lang="en-US"/>
           </a:p>
@@ -4761,7 +4761,7 @@
           <a:p>
             <a:fld id="{03F41C87-7AD9-4845-A077-840E4A0F3F06}" type="datetimeFigureOut">
               <a:rPr lang="en-US" smtClean="0"/>
-              <a:t>5/3/2018</a:t>
+              <a:t>5/4/2018</a:t>
             </a:fld>
             <a:endParaRPr lang="en-US"/>
           </a:p>
@@ -4922,7 +4922,7 @@
           <a:p>
             <a:fld id="{03F41C87-7AD9-4845-A077-840E4A0F3F06}" type="datetimeFigureOut">
               <a:rPr lang="en-US" smtClean="0"/>
-              <a:t>5/3/2018</a:t>
+              <a:t>5/4/2018</a:t>
             </a:fld>
             <a:endParaRPr lang="en-US"/>
           </a:p>
@@ -5060,7 +5060,7 @@
           <a:p>
             <a:fld id="{03F41C87-7AD9-4845-A077-840E4A0F3F06}" type="datetimeFigureOut">
               <a:rPr lang="en-US" smtClean="0"/>
-              <a:t>5/3/2018</a:t>
+              <a:t>5/4/2018</a:t>
             </a:fld>
             <a:endParaRPr lang="en-US"/>
           </a:p>
@@ -5327,7 +5327,7 @@
           <a:p>
             <a:fld id="{03F41C87-7AD9-4845-A077-840E4A0F3F06}" type="datetimeFigureOut">
               <a:rPr lang="en-US" smtClean="0"/>
-              <a:t>5/3/2018</a:t>
+              <a:t>5/4/2018</a:t>
             </a:fld>
             <a:endParaRPr lang="en-US"/>
           </a:p>
@@ -5655,7 +5655,7 @@
             <a:fld id="{03F41C87-7AD9-4845-A077-840E4A0F3F06}" type="datetimeFigureOut">
               <a:rPr lang="en-US" smtClean="0"/>
               <a:pPr/>
-              <a:t>5/3/2018</a:t>
+              <a:t>5/4/2018</a:t>
             </a:fld>
             <a:endParaRPr lang="en-US"/>
           </a:p>
@@ -6020,7 +6020,7 @@
             <a:fld id="{03F41C87-7AD9-4845-A077-840E4A0F3F06}" type="datetimeFigureOut">
               <a:rPr lang="en-US" smtClean="0"/>
               <a:pPr/>
-              <a:t>5/3/2018</a:t>
+              <a:t>5/4/2018</a:t>
             </a:fld>
             <a:endParaRPr lang="en-US"/>
           </a:p>
@@ -7329,13 +7329,13 @@
           <a:p>
             <a:r>
               <a:rPr lang="en-US" dirty="0"/>
-              <a:t>Insert comment here on time of day</a:t>
+              <a:t>The most criminal activity occurs between 3 PM and 1 AM</a:t>
             </a:r>
           </a:p>
           <a:p>
             <a:r>
               <a:rPr lang="en-US" dirty="0"/>
-              <a:t>Insert comment here on time of year</a:t>
+              <a:t>Crime goes up in the summer months</a:t>
             </a:r>
           </a:p>
           <a:p>
@@ -7449,9 +7449,17 @@
             </a:r>
           </a:p>
           <a:p>
+            <a:pPr lvl="1"/>
             <a:r>
               <a:rPr lang="en-US" dirty="0"/>
-              <a:t>Kansas City weather data</a:t>
+              <a:t>Data provided by KCPD Information Technology</a:t>
+            </a:r>
+            <a:endParaRPr lang="en-US" b="1" dirty="0"/>
+          </a:p>
+          <a:p>
+            <a:r>
+              <a:rPr lang="en-US" dirty="0"/>
+              <a:t>Kansas City weather data from Kaggle</a:t>
             </a:r>
           </a:p>
           <a:p>
@@ -7559,16 +7567,10 @@
           <a:p>
             <a:pPr lvl="1"/>
             <a:r>
-              <a:rPr lang="en-US" dirty="0"/>
+              <a:rPr lang="en-US"/>
               <a:t>Categorizing crime</a:t>
             </a:r>
-          </a:p>
-          <a:p>
-            <a:pPr lvl="1"/>
-            <a:r>
-              <a:rPr lang="en-US" dirty="0"/>
-              <a:t>Insert another comment?</a:t>
-            </a:r>
+            <a:endParaRPr lang="en-US" dirty="0"/>
           </a:p>
           <a:p>
             <a:r>
@@ -7859,7 +7861,7 @@
         </p:blipFill>
         <p:spPr>
           <a:xfrm>
-            <a:off x="684212" y="685800"/>
+            <a:off x="684212" y="609600"/>
             <a:ext cx="4953000" cy="2743200"/>
           </a:xfrm>
           <a:prstGeom prst="rect">
@@ -7894,7 +7896,7 @@
         </p:blipFill>
         <p:spPr>
           <a:xfrm>
-            <a:off x="6094412" y="685800"/>
+            <a:off x="6094412" y="609600"/>
             <a:ext cx="5138043" cy="2590800"/>
           </a:xfrm>
           <a:prstGeom prst="rect">
@@ -7929,7 +7931,7 @@
         </p:blipFill>
         <p:spPr>
           <a:xfrm>
-            <a:off x="804335" y="3429000"/>
+            <a:off x="804335" y="3352800"/>
             <a:ext cx="4832878" cy="2819400"/>
           </a:xfrm>
           <a:prstGeom prst="rect">
@@ -7964,7 +7966,7 @@
         </p:blipFill>
         <p:spPr>
           <a:xfrm>
-            <a:off x="6094412" y="3513975"/>
+            <a:off x="6094412" y="3429000"/>
             <a:ext cx="5290079" cy="2649450"/>
           </a:xfrm>
           <a:prstGeom prst="rect">
@@ -7972,6 +7974,41 @@
           </a:prstGeom>
         </p:spPr>
       </p:pic>
+      <p:sp>
+        <p:nvSpPr>
+          <p:cNvPr id="2" name="TextBox 1">
+            <a:extLst>
+              <a:ext uri="{FF2B5EF4-FFF2-40B4-BE49-F238E27FC236}">
+                <a16:creationId xmlns:a16="http://schemas.microsoft.com/office/drawing/2014/main" id="{9FF84869-0A93-49DF-B4CB-E86238BD7AF1}"/>
+              </a:ext>
+            </a:extLst>
+          </p:cNvPr>
+          <p:cNvSpPr txBox="1"/>
+          <p:nvPr/>
+        </p:nvSpPr>
+        <p:spPr>
+          <a:xfrm>
+            <a:off x="5942012" y="5994847"/>
+            <a:ext cx="3733800" cy="276999"/>
+          </a:xfrm>
+          <a:prstGeom prst="rect">
+            <a:avLst/>
+          </a:prstGeom>
+          <a:noFill/>
+        </p:spPr>
+        <p:txBody>
+          <a:bodyPr wrap="square" rtlCol="0">
+            <a:spAutoFit/>
+          </a:bodyPr>
+          <a:lstStyle/>
+          <a:p>
+            <a:r>
+              <a:rPr lang="en-US" sz="1200" b="1" dirty="0"/>
+              <a:t>* Blue line represents monthly average</a:t>
+            </a:r>
+          </a:p>
+        </p:txBody>
+      </p:sp>
     </p:spTree>
     <p:extLst>
       <p:ext uri="{BB962C8B-B14F-4D97-AF65-F5344CB8AC3E}">
